--- a/src/compilateur.pptx
+++ b/src/compilateur.pptx
@@ -7,7 +7,10 @@
   <p:sldIdLst>
     <p:sldId id="256" r:id="rId2"/>
     <p:sldId id="257" r:id="rId3"/>
-    <p:sldId id="258" r:id="rId4"/>
+    <p:sldId id="259" r:id="rId4"/>
+    <p:sldId id="260" r:id="rId5"/>
+    <p:sldId id="261" r:id="rId6"/>
+    <p:sldId id="258" r:id="rId7"/>
   </p:sldIdLst>
   <p:sldSz cx="12192000" cy="6858000"/>
   <p:notesSz cx="6858000" cy="9144000"/>
@@ -106,6 +109,11 @@
       </a:defRPr>
     </a:lvl9pPr>
   </p:defaultTextStyle>
+  <p:extLst>
+    <p:ext uri="{EFAFB233-063F-42B5-8137-9DF3F51BA10A}">
+      <p15:sldGuideLst xmlns:p15="http://schemas.microsoft.com/office/powerpoint/2012/main"/>
+    </p:ext>
+  </p:extLst>
 </p:presentation>
 </file>
 
@@ -240,7 +248,7 @@
           <a:p>
             <a:fld id="{FE36A22D-2090-4FB0-B245-668B9B5A1495}" type="datetimeFigureOut">
               <a:rPr lang="fr-FR" smtClean="0"/>
-              <a:t>21/03/2018</a:t>
+              <a:t>22/03/2018</a:t>
             </a:fld>
             <a:endParaRPr lang="fr-FR"/>
           </a:p>
@@ -410,7 +418,7 @@
           <a:p>
             <a:fld id="{FE36A22D-2090-4FB0-B245-668B9B5A1495}" type="datetimeFigureOut">
               <a:rPr lang="fr-FR" smtClean="0"/>
-              <a:t>21/03/2018</a:t>
+              <a:t>22/03/2018</a:t>
             </a:fld>
             <a:endParaRPr lang="fr-FR"/>
           </a:p>
@@ -590,7 +598,7 @@
           <a:p>
             <a:fld id="{FE36A22D-2090-4FB0-B245-668B9B5A1495}" type="datetimeFigureOut">
               <a:rPr lang="fr-FR" smtClean="0"/>
-              <a:t>21/03/2018</a:t>
+              <a:t>22/03/2018</a:t>
             </a:fld>
             <a:endParaRPr lang="fr-FR"/>
           </a:p>
@@ -760,7 +768,7 @@
           <a:p>
             <a:fld id="{FE36A22D-2090-4FB0-B245-668B9B5A1495}" type="datetimeFigureOut">
               <a:rPr lang="fr-FR" smtClean="0"/>
-              <a:t>21/03/2018</a:t>
+              <a:t>22/03/2018</a:t>
             </a:fld>
             <a:endParaRPr lang="fr-FR"/>
           </a:p>
@@ -1006,7 +1014,7 @@
           <a:p>
             <a:fld id="{FE36A22D-2090-4FB0-B245-668B9B5A1495}" type="datetimeFigureOut">
               <a:rPr lang="fr-FR" smtClean="0"/>
-              <a:t>21/03/2018</a:t>
+              <a:t>22/03/2018</a:t>
             </a:fld>
             <a:endParaRPr lang="fr-FR"/>
           </a:p>
@@ -1238,7 +1246,7 @@
           <a:p>
             <a:fld id="{FE36A22D-2090-4FB0-B245-668B9B5A1495}" type="datetimeFigureOut">
               <a:rPr lang="fr-FR" smtClean="0"/>
-              <a:t>21/03/2018</a:t>
+              <a:t>22/03/2018</a:t>
             </a:fld>
             <a:endParaRPr lang="fr-FR"/>
           </a:p>
@@ -1605,7 +1613,7 @@
           <a:p>
             <a:fld id="{FE36A22D-2090-4FB0-B245-668B9B5A1495}" type="datetimeFigureOut">
               <a:rPr lang="fr-FR" smtClean="0"/>
-              <a:t>21/03/2018</a:t>
+              <a:t>22/03/2018</a:t>
             </a:fld>
             <a:endParaRPr lang="fr-FR"/>
           </a:p>
@@ -1723,7 +1731,7 @@
           <a:p>
             <a:fld id="{FE36A22D-2090-4FB0-B245-668B9B5A1495}" type="datetimeFigureOut">
               <a:rPr lang="fr-FR" smtClean="0"/>
-              <a:t>21/03/2018</a:t>
+              <a:t>22/03/2018</a:t>
             </a:fld>
             <a:endParaRPr lang="fr-FR"/>
           </a:p>
@@ -1818,7 +1826,7 @@
           <a:p>
             <a:fld id="{FE36A22D-2090-4FB0-B245-668B9B5A1495}" type="datetimeFigureOut">
               <a:rPr lang="fr-FR" smtClean="0"/>
-              <a:t>21/03/2018</a:t>
+              <a:t>22/03/2018</a:t>
             </a:fld>
             <a:endParaRPr lang="fr-FR"/>
           </a:p>
@@ -2095,7 +2103,7 @@
           <a:p>
             <a:fld id="{FE36A22D-2090-4FB0-B245-668B9B5A1495}" type="datetimeFigureOut">
               <a:rPr lang="fr-FR" smtClean="0"/>
-              <a:t>21/03/2018</a:t>
+              <a:t>22/03/2018</a:t>
             </a:fld>
             <a:endParaRPr lang="fr-FR"/>
           </a:p>
@@ -2348,7 +2356,7 @@
           <a:p>
             <a:fld id="{FE36A22D-2090-4FB0-B245-668B9B5A1495}" type="datetimeFigureOut">
               <a:rPr lang="fr-FR" smtClean="0"/>
-              <a:t>21/03/2018</a:t>
+              <a:t>22/03/2018</a:t>
             </a:fld>
             <a:endParaRPr lang="fr-FR"/>
           </a:p>
@@ -2413,9 +2421,39 @@
 <p:sldMaster xmlns:a="http://schemas.openxmlformats.org/drawingml/2006/main" xmlns:r="http://schemas.openxmlformats.org/officeDocument/2006/relationships" xmlns:p="http://schemas.openxmlformats.org/presentationml/2006/main">
   <p:cSld>
     <p:bg>
-      <p:bgRef idx="1001">
-        <a:schemeClr val="bg1"/>
-      </p:bgRef>
+      <p:bgPr>
+        <a:gradFill flip="none" rotWithShape="1">
+          <a:gsLst>
+            <a:gs pos="0">
+              <a:schemeClr val="accent1">
+                <a:lumMod val="5000"/>
+                <a:lumOff val="95000"/>
+              </a:schemeClr>
+            </a:gs>
+            <a:gs pos="77000">
+              <a:schemeClr val="accent1">
+                <a:lumMod val="45000"/>
+                <a:lumOff val="55000"/>
+              </a:schemeClr>
+            </a:gs>
+            <a:gs pos="100000">
+              <a:schemeClr val="accent1">
+                <a:lumMod val="45000"/>
+                <a:lumOff val="55000"/>
+              </a:schemeClr>
+            </a:gs>
+            <a:gs pos="100000">
+              <a:schemeClr val="accent1">
+                <a:lumMod val="30000"/>
+                <a:lumOff val="70000"/>
+              </a:schemeClr>
+            </a:gs>
+          </a:gsLst>
+          <a:lin ang="5400000" scaled="1"/>
+          <a:tileRect/>
+        </a:gradFill>
+        <a:effectLst/>
+      </p:bgPr>
     </p:bg>
     <p:spTree>
       <p:nvGrpSpPr>
@@ -2561,7 +2599,7 @@
           <a:p>
             <a:fld id="{FE36A22D-2090-4FB0-B245-668B9B5A1495}" type="datetimeFigureOut">
               <a:rPr lang="fr-FR" smtClean="0"/>
-              <a:t>21/03/2018</a:t>
+              <a:t>22/03/2018</a:t>
             </a:fld>
             <a:endParaRPr lang="fr-FR"/>
           </a:p>
@@ -3111,16 +3149,21 @@
           <a:p>
             <a:r>
               <a:rPr lang="fr-FR" dirty="0" smtClean="0"/>
-              <a:t>Mission</a:t>
-            </a:r>
+              <a:t>Définitio</a:t>
+            </a:r>
+            <a:r>
+              <a:rPr lang="fr-FR" dirty="0"/>
+              <a:t>n</a:t>
+            </a:r>
+            <a:endParaRPr lang="fr-FR" dirty="0" smtClean="0"/>
           </a:p>
           <a:p>
             <a:endParaRPr lang="fr-FR" dirty="0"/>
           </a:p>
           <a:p>
             <a:r>
-              <a:rPr lang="fr-FR" smtClean="0"/>
-              <a:t>L’équipe</a:t>
+              <a:rPr lang="fr-FR" dirty="0" smtClean="0"/>
+              <a:t>La mission</a:t>
             </a:r>
             <a:endParaRPr lang="fr-FR" dirty="0" smtClean="0"/>
           </a:p>
@@ -3159,6 +3202,210 @@
 </file>
 
 <file path=ppt/slides/slide3.xml><?xml version="1.0" encoding="utf-8"?>
+<p:sld xmlns:a="http://schemas.openxmlformats.org/drawingml/2006/main" xmlns:r="http://schemas.openxmlformats.org/officeDocument/2006/relationships" xmlns:p="http://schemas.openxmlformats.org/presentationml/2006/main">
+  <p:cSld>
+    <p:spTree>
+      <p:nvGrpSpPr>
+        <p:cNvPr id="1" name=""/>
+        <p:cNvGrpSpPr/>
+        <p:nvPr/>
+      </p:nvGrpSpPr>
+      <p:grpSpPr>
+        <a:xfrm>
+          <a:off x="0" y="0"/>
+          <a:ext cx="0" cy="0"/>
+          <a:chOff x="0" y="0"/>
+          <a:chExt cx="0" cy="0"/>
+        </a:xfrm>
+      </p:grpSpPr>
+      <p:sp>
+        <p:nvSpPr>
+          <p:cNvPr id="2" name="Titre 1"/>
+          <p:cNvSpPr>
+            <a:spLocks noGrp="1"/>
+          </p:cNvSpPr>
+          <p:nvPr>
+            <p:ph type="title"/>
+          </p:nvPr>
+        </p:nvSpPr>
+        <p:spPr/>
+        <p:txBody>
+          <a:bodyPr/>
+          <a:lstStyle/>
+          <a:p>
+            <a:endParaRPr lang="fr-FR" dirty="0"/>
+          </a:p>
+        </p:txBody>
+      </p:sp>
+      <p:sp>
+        <p:nvSpPr>
+          <p:cNvPr id="3" name="Espace réservé du contenu 2"/>
+          <p:cNvSpPr>
+            <a:spLocks noGrp="1"/>
+          </p:cNvSpPr>
+          <p:nvPr>
+            <p:ph idx="1"/>
+          </p:nvPr>
+        </p:nvSpPr>
+        <p:spPr/>
+        <p:txBody>
+          <a:bodyPr/>
+          <a:lstStyle/>
+          <a:p>
+            <a:endParaRPr lang="fr-FR"/>
+          </a:p>
+        </p:txBody>
+      </p:sp>
+    </p:spTree>
+    <p:extLst>
+      <p:ext uri="{BB962C8B-B14F-4D97-AF65-F5344CB8AC3E}">
+        <p14:creationId xmlns:p14="http://schemas.microsoft.com/office/powerpoint/2010/main" val="2445772461"/>
+      </p:ext>
+    </p:extLst>
+  </p:cSld>
+  <p:clrMapOvr>
+    <a:masterClrMapping/>
+  </p:clrMapOvr>
+</p:sld>
+</file>
+
+<file path=ppt/slides/slide4.xml><?xml version="1.0" encoding="utf-8"?>
+<p:sld xmlns:a="http://schemas.openxmlformats.org/drawingml/2006/main" xmlns:r="http://schemas.openxmlformats.org/officeDocument/2006/relationships" xmlns:p="http://schemas.openxmlformats.org/presentationml/2006/main">
+  <p:cSld>
+    <p:spTree>
+      <p:nvGrpSpPr>
+        <p:cNvPr id="1" name=""/>
+        <p:cNvGrpSpPr/>
+        <p:nvPr/>
+      </p:nvGrpSpPr>
+      <p:grpSpPr>
+        <a:xfrm>
+          <a:off x="0" y="0"/>
+          <a:ext cx="0" cy="0"/>
+          <a:chOff x="0" y="0"/>
+          <a:chExt cx="0" cy="0"/>
+        </a:xfrm>
+      </p:grpSpPr>
+      <p:sp>
+        <p:nvSpPr>
+          <p:cNvPr id="2" name="Titre 1"/>
+          <p:cNvSpPr>
+            <a:spLocks noGrp="1"/>
+          </p:cNvSpPr>
+          <p:nvPr>
+            <p:ph type="title"/>
+          </p:nvPr>
+        </p:nvSpPr>
+        <p:spPr/>
+        <p:txBody>
+          <a:bodyPr/>
+          <a:lstStyle/>
+          <a:p>
+            <a:endParaRPr lang="fr-FR"/>
+          </a:p>
+        </p:txBody>
+      </p:sp>
+      <p:sp>
+        <p:nvSpPr>
+          <p:cNvPr id="3" name="Espace réservé du contenu 2"/>
+          <p:cNvSpPr>
+            <a:spLocks noGrp="1"/>
+          </p:cNvSpPr>
+          <p:nvPr>
+            <p:ph idx="1"/>
+          </p:nvPr>
+        </p:nvSpPr>
+        <p:spPr/>
+        <p:txBody>
+          <a:bodyPr/>
+          <a:lstStyle/>
+          <a:p>
+            <a:endParaRPr lang="fr-FR"/>
+          </a:p>
+        </p:txBody>
+      </p:sp>
+    </p:spTree>
+    <p:extLst>
+      <p:ext uri="{BB962C8B-B14F-4D97-AF65-F5344CB8AC3E}">
+        <p14:creationId xmlns:p14="http://schemas.microsoft.com/office/powerpoint/2010/main" val="3511298972"/>
+      </p:ext>
+    </p:extLst>
+  </p:cSld>
+  <p:clrMapOvr>
+    <a:masterClrMapping/>
+  </p:clrMapOvr>
+</p:sld>
+</file>
+
+<file path=ppt/slides/slide5.xml><?xml version="1.0" encoding="utf-8"?>
+<p:sld xmlns:a="http://schemas.openxmlformats.org/drawingml/2006/main" xmlns:r="http://schemas.openxmlformats.org/officeDocument/2006/relationships" xmlns:p="http://schemas.openxmlformats.org/presentationml/2006/main">
+  <p:cSld>
+    <p:spTree>
+      <p:nvGrpSpPr>
+        <p:cNvPr id="1" name=""/>
+        <p:cNvGrpSpPr/>
+        <p:nvPr/>
+      </p:nvGrpSpPr>
+      <p:grpSpPr>
+        <a:xfrm>
+          <a:off x="0" y="0"/>
+          <a:ext cx="0" cy="0"/>
+          <a:chOff x="0" y="0"/>
+          <a:chExt cx="0" cy="0"/>
+        </a:xfrm>
+      </p:grpSpPr>
+      <p:sp>
+        <p:nvSpPr>
+          <p:cNvPr id="2" name="Titre 1"/>
+          <p:cNvSpPr>
+            <a:spLocks noGrp="1"/>
+          </p:cNvSpPr>
+          <p:nvPr>
+            <p:ph type="title"/>
+          </p:nvPr>
+        </p:nvSpPr>
+        <p:spPr/>
+        <p:txBody>
+          <a:bodyPr/>
+          <a:lstStyle/>
+          <a:p>
+            <a:endParaRPr lang="fr-FR"/>
+          </a:p>
+        </p:txBody>
+      </p:sp>
+      <p:sp>
+        <p:nvSpPr>
+          <p:cNvPr id="3" name="Espace réservé du contenu 2"/>
+          <p:cNvSpPr>
+            <a:spLocks noGrp="1"/>
+          </p:cNvSpPr>
+          <p:nvPr>
+            <p:ph idx="1"/>
+          </p:nvPr>
+        </p:nvSpPr>
+        <p:spPr/>
+        <p:txBody>
+          <a:bodyPr/>
+          <a:lstStyle/>
+          <a:p>
+            <a:endParaRPr lang="fr-FR"/>
+          </a:p>
+        </p:txBody>
+      </p:sp>
+    </p:spTree>
+    <p:extLst>
+      <p:ext uri="{BB962C8B-B14F-4D97-AF65-F5344CB8AC3E}">
+        <p14:creationId xmlns:p14="http://schemas.microsoft.com/office/powerpoint/2010/main" val="2442385967"/>
+      </p:ext>
+    </p:extLst>
+  </p:cSld>
+  <p:clrMapOvr>
+    <a:masterClrMapping/>
+  </p:clrMapOvr>
+</p:sld>
+</file>
+
+<file path=ppt/slides/slide6.xml><?xml version="1.0" encoding="utf-8"?>
 <p:sld xmlns:a="http://schemas.openxmlformats.org/drawingml/2006/main" xmlns:r="http://schemas.openxmlformats.org/officeDocument/2006/relationships" xmlns:p="http://schemas.openxmlformats.org/presentationml/2006/main">
   <p:cSld>
     <p:spTree>
